--- a/GA_FinalProject_Preso.pptx
+++ b/GA_FinalProject_Preso.pptx
@@ -4392,8 +4392,8 @@
         </p:blipFill>
         <p:spPr>
           <a:xfrm>
-            <a:off x="5582977" y="4964632"/>
-            <a:ext cx="291383" cy="309150"/>
+            <a:off x="5582977" y="4965401"/>
+            <a:ext cx="1029762" cy="1092551"/>
           </a:xfrm>
           <a:prstGeom prst="rect">
             <a:avLst/>
